--- a/coco_relayout_out.pptx
+++ b/coco_relayout_out.pptx
@@ -3123,8 +3123,8 @@
         </p:blipFill>
         <p:spPr>
           <a:xfrm>
-            <a:off x="7161123" y="365760"/>
-            <a:ext cx="4662069" cy="6126480"/>
+            <a:off x="228600" y="219075"/>
+            <a:ext cx="7067550" cy="6400800"/>
           </a:xfrm>
           <a:prstGeom prst="rect">
             <a:avLst/>
@@ -3139,8 +3139,8 @@
         </p:nvSpPr>
         <p:spPr>
           <a:xfrm>
-            <a:off x="365760" y="365760"/>
-            <a:ext cx="6703923" cy="6126480"/>
+            <a:off x="7543800" y="219075"/>
+            <a:ext cx="4419600" cy="6400800"/>
           </a:xfrm>
           <a:prstGeom prst="rect">
             <a:avLst/>
@@ -3156,13 +3156,13 @@
             <a:pPr algn="l"/>
             <a:r>
               <a:rPr sz="3200"/>
-              <a:t>A restaurant has modern wooden tables and</a:t>
+              <a:t>Dining room table set for a</a:t>
             </a:r>
           </a:p>
           <a:p>
             <a:r>
               <a:rPr sz="3200"/>
-              <a:t>chairs.</a:t>
+              <a:t>casual meal, with flowers.</a:t>
             </a:r>
           </a:p>
         </p:txBody>
@@ -3201,8 +3201,8 @@
         </p:blipFill>
         <p:spPr>
           <a:xfrm>
-            <a:off x="7161123" y="365760"/>
-            <a:ext cx="4662069" cy="6126480"/>
+            <a:off x="228600" y="219075"/>
+            <a:ext cx="7067550" cy="6400800"/>
           </a:xfrm>
           <a:prstGeom prst="rect">
             <a:avLst/>
@@ -3217,8 +3217,8 @@
         </p:nvSpPr>
         <p:spPr>
           <a:xfrm>
-            <a:off x="365760" y="365760"/>
-            <a:ext cx="6703923" cy="6126480"/>
+            <a:off x="7543800" y="219075"/>
+            <a:ext cx="4419600" cy="6400800"/>
           </a:xfrm>
           <a:prstGeom prst="rect">
             <a:avLst/>
@@ -3234,13 +3234,13 @@
             <a:pPr algn="l"/>
             <a:r>
               <a:rPr sz="3200"/>
-              <a:t>Two people in a food truck, one looking at an</a:t>
+              <a:t>a kitchen with a table and</a:t>
             </a:r>
           </a:p>
           <a:p>
             <a:r>
               <a:rPr sz="3200"/>
-              <a:t>order.</a:t>
+              <a:t>some chairs</a:t>
             </a:r>
           </a:p>
         </p:txBody>
@@ -3279,8 +3279,8 @@
         </p:blipFill>
         <p:spPr>
           <a:xfrm>
-            <a:off x="7161123" y="365760"/>
-            <a:ext cx="4662069" cy="6126480"/>
+            <a:off x="228600" y="219075"/>
+            <a:ext cx="7067550" cy="6400800"/>
           </a:xfrm>
           <a:prstGeom prst="rect">
             <a:avLst/>
@@ -3295,8 +3295,8 @@
         </p:nvSpPr>
         <p:spPr>
           <a:xfrm>
-            <a:off x="365760" y="365760"/>
-            <a:ext cx="6703923" cy="6126480"/>
+            <a:off x="7543800" y="219075"/>
+            <a:ext cx="4419600" cy="6400800"/>
           </a:xfrm>
           <a:prstGeom prst="rect">
             <a:avLst/>
@@ -3312,7 +3312,13 @@
             <a:pPr algn="l"/>
             <a:r>
               <a:rPr sz="3200"/>
-              <a:t>a person in white is standing in a kitchen</a:t>
+              <a:t>a man cutting up vegetables</a:t>
+            </a:r>
+          </a:p>
+          <a:p>
+            <a:r>
+              <a:rPr sz="3200"/>
+              <a:t>on top of a food cart.</a:t>
             </a:r>
           </a:p>
         </p:txBody>
@@ -3351,8 +3357,8 @@
         </p:blipFill>
         <p:spPr>
           <a:xfrm>
-            <a:off x="7161123" y="365760"/>
-            <a:ext cx="4662069" cy="6126480"/>
+            <a:off x="228600" y="219075"/>
+            <a:ext cx="7067550" cy="6400800"/>
           </a:xfrm>
           <a:prstGeom prst="rect">
             <a:avLst/>
@@ -3367,8 +3373,8 @@
         </p:nvSpPr>
         <p:spPr>
           <a:xfrm>
-            <a:off x="365760" y="365760"/>
-            <a:ext cx="6703923" cy="6126480"/>
+            <a:off x="7543800" y="219075"/>
+            <a:ext cx="4419600" cy="6400800"/>
           </a:xfrm>
           <a:prstGeom prst="rect">
             <a:avLst/>
@@ -3384,13 +3390,13 @@
             <a:pPr algn="l"/>
             <a:r>
               <a:rPr sz="3200"/>
-              <a:t>A person is cutting a roast with a fork and</a:t>
+              <a:t>a person in white is standing</a:t>
             </a:r>
           </a:p>
           <a:p>
             <a:r>
               <a:rPr sz="3200"/>
-              <a:t>knife.</a:t>
+              <a:t>in a kitchen</a:t>
             </a:r>
           </a:p>
         </p:txBody>
@@ -3429,8 +3435,8 @@
         </p:blipFill>
         <p:spPr>
           <a:xfrm>
-            <a:off x="7161123" y="365760"/>
-            <a:ext cx="4662069" cy="6126480"/>
+            <a:off x="228600" y="219075"/>
+            <a:ext cx="7067550" cy="6400800"/>
           </a:xfrm>
           <a:prstGeom prst="rect">
             <a:avLst/>
@@ -3445,8 +3451,8 @@
         </p:nvSpPr>
         <p:spPr>
           <a:xfrm>
-            <a:off x="365760" y="365760"/>
-            <a:ext cx="6703923" cy="6126480"/>
+            <a:off x="7543800" y="219075"/>
+            <a:ext cx="4419600" cy="6400800"/>
           </a:xfrm>
           <a:prstGeom prst="rect">
             <a:avLst/>
@@ -3462,7 +3468,13 @@
             <a:pPr algn="l"/>
             <a:r>
               <a:rPr sz="3200"/>
-              <a:t>a kitchen with a table and some chairs</a:t>
+              <a:t>A man preparing desserts in</a:t>
+            </a:r>
+          </a:p>
+          <a:p>
+            <a:r>
+              <a:rPr sz="3200"/>
+              <a:t>a kitchen covered in frosting.</a:t>
             </a:r>
           </a:p>
         </p:txBody>
@@ -3501,8 +3513,8 @@
         </p:blipFill>
         <p:spPr>
           <a:xfrm>
-            <a:off x="7161123" y="365760"/>
-            <a:ext cx="4662069" cy="6126480"/>
+            <a:off x="228600" y="219075"/>
+            <a:ext cx="7067550" cy="6400800"/>
           </a:xfrm>
           <a:prstGeom prst="rect">
             <a:avLst/>
@@ -3517,8 +3529,8 @@
         </p:nvSpPr>
         <p:spPr>
           <a:xfrm>
-            <a:off x="365760" y="365760"/>
-            <a:ext cx="6703923" cy="6126480"/>
+            <a:off x="7543800" y="219075"/>
+            <a:ext cx="4419600" cy="6400800"/>
           </a:xfrm>
           <a:prstGeom prst="rect">
             <a:avLst/>
@@ -3534,13 +3546,13 @@
             <a:pPr algn="l"/>
             <a:r>
               <a:rPr sz="3200"/>
-              <a:t>A kitchen has wood cabinets, a dishwasher,</a:t>
+              <a:t>A person is cutting a roast</a:t>
             </a:r>
           </a:p>
           <a:p>
             <a:r>
               <a:rPr sz="3200"/>
-              <a:t>sink, and refrigerator.</a:t>
+              <a:t>with a fork and knife.</a:t>
             </a:r>
           </a:p>
         </p:txBody>
@@ -3579,8 +3591,8 @@
         </p:blipFill>
         <p:spPr>
           <a:xfrm>
-            <a:off x="7161123" y="365760"/>
-            <a:ext cx="4662069" cy="6126480"/>
+            <a:off x="228600" y="219075"/>
+            <a:ext cx="7067550" cy="6400800"/>
           </a:xfrm>
           <a:prstGeom prst="rect">
             <a:avLst/>
@@ -3595,8 +3607,8 @@
         </p:nvSpPr>
         <p:spPr>
           <a:xfrm>
-            <a:off x="365760" y="365760"/>
-            <a:ext cx="6703923" cy="6126480"/>
+            <a:off x="7543800" y="219075"/>
+            <a:ext cx="4419600" cy="6400800"/>
           </a:xfrm>
           <a:prstGeom prst="rect">
             <a:avLst/>
@@ -3612,13 +3624,13 @@
             <a:pPr algn="l"/>
             <a:r>
               <a:rPr sz="3200"/>
-              <a:t>A chef preparing food inside of a kitchen near</a:t>
+              <a:t>a big red telephone booth</a:t>
             </a:r>
           </a:p>
           <a:p>
             <a:r>
               <a:rPr sz="3200"/>
-              <a:t>a window.</a:t>
+              <a:t>that a man is standing in</a:t>
             </a:r>
           </a:p>
         </p:txBody>
@@ -3657,8 +3669,8 @@
         </p:blipFill>
         <p:spPr>
           <a:xfrm>
-            <a:off x="7161123" y="365760"/>
-            <a:ext cx="4662069" cy="6126480"/>
+            <a:off x="228600" y="219075"/>
+            <a:ext cx="7067550" cy="6400800"/>
           </a:xfrm>
           <a:prstGeom prst="rect">
             <a:avLst/>
@@ -3673,8 +3685,8 @@
         </p:nvSpPr>
         <p:spPr>
           <a:xfrm>
-            <a:off x="365760" y="365760"/>
-            <a:ext cx="6703923" cy="6126480"/>
+            <a:off x="7543800" y="219075"/>
+            <a:ext cx="4419600" cy="6400800"/>
           </a:xfrm>
           <a:prstGeom prst="rect">
             <a:avLst/>
@@ -3690,13 +3702,13 @@
             <a:pPr algn="l"/>
             <a:r>
               <a:rPr sz="3200"/>
-              <a:t>Adults using laptop computers while sitting at</a:t>
+              <a:t>A group of men at a table</a:t>
             </a:r>
           </a:p>
           <a:p>
             <a:r>
               <a:rPr sz="3200"/>
-              <a:t>outdoor venue.</a:t>
+              <a:t>preparing food together</a:t>
             </a:r>
           </a:p>
         </p:txBody>
@@ -3735,8 +3747,8 @@
         </p:blipFill>
         <p:spPr>
           <a:xfrm>
-            <a:off x="7161123" y="365760"/>
-            <a:ext cx="4662069" cy="6126480"/>
+            <a:off x="228600" y="219075"/>
+            <a:ext cx="7067550" cy="6400800"/>
           </a:xfrm>
           <a:prstGeom prst="rect">
             <a:avLst/>
@@ -3751,8 +3763,8 @@
         </p:nvSpPr>
         <p:spPr>
           <a:xfrm>
-            <a:off x="365760" y="365760"/>
-            <a:ext cx="6703923" cy="6126480"/>
+            <a:off x="7543800" y="219075"/>
+            <a:ext cx="4419600" cy="6400800"/>
           </a:xfrm>
           <a:prstGeom prst="rect">
             <a:avLst/>
@@ -3768,13 +3780,13 @@
             <a:pPr algn="l"/>
             <a:r>
               <a:rPr sz="3200"/>
-              <a:t>A group of men at a table preparing food</a:t>
+              <a:t>A large bus and some people</a:t>
             </a:r>
           </a:p>
           <a:p>
             <a:r>
               <a:rPr sz="3200"/>
-              <a:t>together</a:t>
+              <a:t>on the street.</a:t>
             </a:r>
           </a:p>
         </p:txBody>
@@ -3813,8 +3825,8 @@
         </p:blipFill>
         <p:spPr>
           <a:xfrm>
-            <a:off x="7161123" y="365760"/>
-            <a:ext cx="4662069" cy="6126480"/>
+            <a:off x="228600" y="219075"/>
+            <a:ext cx="7067550" cy="6400800"/>
           </a:xfrm>
           <a:prstGeom prst="rect">
             <a:avLst/>
@@ -3829,8 +3841,8 @@
         </p:nvSpPr>
         <p:spPr>
           <a:xfrm>
-            <a:off x="365760" y="365760"/>
-            <a:ext cx="6703923" cy="6126480"/>
+            <a:off x="7543800" y="219075"/>
+            <a:ext cx="4419600" cy="6400800"/>
           </a:xfrm>
           <a:prstGeom prst="rect">
             <a:avLst/>
@@ -3846,13 +3858,13 @@
             <a:pPr algn="l"/>
             <a:r>
               <a:rPr sz="3200"/>
-              <a:t>a man cutting up vegetables on top of a food</a:t>
+              <a:t>A bicycle parked in a kitchen</a:t>
             </a:r>
           </a:p>
           <a:p>
             <a:r>
               <a:rPr sz="3200"/>
-              <a:t>cart.</a:t>
+              <a:t>with a stove and cabinets.</a:t>
             </a:r>
           </a:p>
         </p:txBody>
@@ -3891,8 +3903,8 @@
         </p:blipFill>
         <p:spPr>
           <a:xfrm>
-            <a:off x="7161123" y="365760"/>
-            <a:ext cx="4662069" cy="6126480"/>
+            <a:off x="228600" y="219075"/>
+            <a:ext cx="7067550" cy="6400800"/>
           </a:xfrm>
           <a:prstGeom prst="rect">
             <a:avLst/>
@@ -3907,8 +3919,8 @@
         </p:nvSpPr>
         <p:spPr>
           <a:xfrm>
-            <a:off x="365760" y="365760"/>
-            <a:ext cx="6703923" cy="6126480"/>
+            <a:off x="7543800" y="219075"/>
+            <a:ext cx="4419600" cy="6400800"/>
           </a:xfrm>
           <a:prstGeom prst="rect">
             <a:avLst/>
@@ -3924,13 +3936,13 @@
             <a:pPr algn="l"/>
             <a:r>
               <a:rPr sz="3200"/>
-              <a:t>Chefs are preparing food at a restaurant as</a:t>
+              <a:t>A restaurant has modern</a:t>
             </a:r>
           </a:p>
           <a:p>
             <a:r>
               <a:rPr sz="3200"/>
-              <a:t>patrons exit.</a:t>
+              <a:t>wooden tables and chairs.</a:t>
             </a:r>
           </a:p>
         </p:txBody>
@@ -3969,8 +3981,8 @@
         </p:blipFill>
         <p:spPr>
           <a:xfrm>
-            <a:off x="7161123" y="365760"/>
-            <a:ext cx="4662069" cy="6126480"/>
+            <a:off x="228600" y="219075"/>
+            <a:ext cx="7067550" cy="6400800"/>
           </a:xfrm>
           <a:prstGeom prst="rect">
             <a:avLst/>
@@ -3985,8 +3997,8 @@
         </p:nvSpPr>
         <p:spPr>
           <a:xfrm>
-            <a:off x="365760" y="365760"/>
-            <a:ext cx="6703923" cy="6126480"/>
+            <a:off x="7543800" y="219075"/>
+            <a:ext cx="4419600" cy="6400800"/>
           </a:xfrm>
           <a:prstGeom prst="rect">
             <a:avLst/>
@@ -4002,13 +4014,25 @@
             <a:pPr algn="l"/>
             <a:r>
               <a:rPr sz="3200"/>
-              <a:t>A man preparing desserts in a kitchen</a:t>
+              <a:t>A black and white image of a</a:t>
             </a:r>
           </a:p>
           <a:p>
             <a:r>
               <a:rPr sz="3200"/>
-              <a:t>covered in frosting.</a:t>
+              <a:t>man in a suit wearing</a:t>
+            </a:r>
+          </a:p>
+          <a:p>
+            <a:r>
+              <a:rPr sz="3200"/>
+              <a:t>glasses walking through a</a:t>
+            </a:r>
+          </a:p>
+          <a:p>
+            <a:r>
+              <a:rPr sz="3200"/>
+              <a:t>door.</a:t>
             </a:r>
           </a:p>
         </p:txBody>
@@ -4047,8 +4071,8 @@
         </p:blipFill>
         <p:spPr>
           <a:xfrm>
-            <a:off x="7161123" y="365760"/>
-            <a:ext cx="4662069" cy="6126480"/>
+            <a:off x="228600" y="219075"/>
+            <a:ext cx="7067550" cy="6400800"/>
           </a:xfrm>
           <a:prstGeom prst="rect">
             <a:avLst/>
@@ -4063,8 +4087,8 @@
         </p:nvSpPr>
         <p:spPr>
           <a:xfrm>
-            <a:off x="365760" y="365760"/>
-            <a:ext cx="6703923" cy="6126480"/>
+            <a:off x="7543800" y="219075"/>
+            <a:ext cx="4419600" cy="6400800"/>
           </a:xfrm>
           <a:prstGeom prst="rect">
             <a:avLst/>
@@ -4080,13 +4104,13 @@
             <a:pPr algn="l"/>
             <a:r>
               <a:rPr sz="3200"/>
-              <a:t>Dining room table set for a casual meal, with</a:t>
+              <a:t>the kitchen is full of spices on</a:t>
             </a:r>
           </a:p>
           <a:p>
             <a:r>
               <a:rPr sz="3200"/>
-              <a:t>flowers.</a:t>
+              <a:t>the rack</a:t>
             </a:r>
           </a:p>
         </p:txBody>
@@ -4125,8 +4149,8 @@
         </p:blipFill>
         <p:spPr>
           <a:xfrm>
-            <a:off x="7161123" y="365760"/>
-            <a:ext cx="4662069" cy="6126480"/>
+            <a:off x="228600" y="219075"/>
+            <a:ext cx="7067550" cy="6400800"/>
           </a:xfrm>
           <a:prstGeom prst="rect">
             <a:avLst/>
@@ -4141,8 +4165,8 @@
         </p:nvSpPr>
         <p:spPr>
           <a:xfrm>
-            <a:off x="365760" y="365760"/>
-            <a:ext cx="6703923" cy="6126480"/>
+            <a:off x="7543800" y="219075"/>
+            <a:ext cx="4419600" cy="6400800"/>
           </a:xfrm>
           <a:prstGeom prst="rect">
             <a:avLst/>
@@ -4158,13 +4182,13 @@
             <a:pPr algn="l"/>
             <a:r>
               <a:rPr sz="3200"/>
-              <a:t>a big red telephone booth that a man is</a:t>
+              <a:t>A chef preparing food inside</a:t>
             </a:r>
           </a:p>
           <a:p>
             <a:r>
               <a:rPr sz="3200"/>
-              <a:t>standing in</a:t>
+              <a:t>of a kitchen near a window.</a:t>
             </a:r>
           </a:p>
         </p:txBody>
@@ -4203,8 +4227,8 @@
         </p:blipFill>
         <p:spPr>
           <a:xfrm>
-            <a:off x="7161123" y="365760"/>
-            <a:ext cx="4662069" cy="6126480"/>
+            <a:off x="228600" y="219075"/>
+            <a:ext cx="7067550" cy="6400800"/>
           </a:xfrm>
           <a:prstGeom prst="rect">
             <a:avLst/>
@@ -4219,8 +4243,8 @@
         </p:nvSpPr>
         <p:spPr>
           <a:xfrm>
-            <a:off x="365760" y="365760"/>
-            <a:ext cx="6703923" cy="6126480"/>
+            <a:off x="7543800" y="219075"/>
+            <a:ext cx="4419600" cy="6400800"/>
           </a:xfrm>
           <a:prstGeom prst="rect">
             <a:avLst/>
@@ -4236,7 +4260,13 @@
             <a:pPr algn="l"/>
             <a:r>
               <a:rPr sz="3200"/>
-              <a:t>the kitchen is full of spices on the rack</a:t>
+              <a:t>A child and woman are</a:t>
+            </a:r>
+          </a:p>
+          <a:p>
+            <a:r>
+              <a:rPr sz="3200"/>
+              <a:t>cooking in the kitchen.</a:t>
             </a:r>
           </a:p>
         </p:txBody>
@@ -4275,8 +4305,8 @@
         </p:blipFill>
         <p:spPr>
           <a:xfrm>
-            <a:off x="7161123" y="365760"/>
-            <a:ext cx="4662069" cy="6126480"/>
+            <a:off x="228600" y="219075"/>
+            <a:ext cx="7067550" cy="6400800"/>
           </a:xfrm>
           <a:prstGeom prst="rect">
             <a:avLst/>
@@ -4291,8 +4321,8 @@
         </p:nvSpPr>
         <p:spPr>
           <a:xfrm>
-            <a:off x="365760" y="365760"/>
-            <a:ext cx="6703923" cy="6126480"/>
+            <a:off x="7543800" y="219075"/>
+            <a:ext cx="4419600" cy="6400800"/>
           </a:xfrm>
           <a:prstGeom prst="rect">
             <a:avLst/>
@@ -4308,7 +4338,13 @@
             <a:pPr algn="l"/>
             <a:r>
               <a:rPr sz="3200"/>
-              <a:t>A child and woman are cooking in the kitchen.</a:t>
+              <a:t>Two people in a food truck,</a:t>
+            </a:r>
+          </a:p>
+          <a:p>
+            <a:r>
+              <a:rPr sz="3200"/>
+              <a:t>one looking at an order.</a:t>
             </a:r>
           </a:p>
         </p:txBody>
@@ -4347,8 +4383,8 @@
         </p:blipFill>
         <p:spPr>
           <a:xfrm>
-            <a:off x="7161123" y="365760"/>
-            <a:ext cx="4662069" cy="6126480"/>
+            <a:off x="228600" y="219075"/>
+            <a:ext cx="7067550" cy="6400800"/>
           </a:xfrm>
           <a:prstGeom prst="rect">
             <a:avLst/>
@@ -4363,8 +4399,8 @@
         </p:nvSpPr>
         <p:spPr>
           <a:xfrm>
-            <a:off x="365760" y="365760"/>
-            <a:ext cx="6703923" cy="6126480"/>
+            <a:off x="7543800" y="219075"/>
+            <a:ext cx="4419600" cy="6400800"/>
           </a:xfrm>
           <a:prstGeom prst="rect">
             <a:avLst/>
@@ -4380,13 +4416,19 @@
             <a:pPr algn="l"/>
             <a:r>
               <a:rPr sz="3200"/>
-              <a:t>A black and white image of a man in a suit</a:t>
+              <a:t>A kitchen has wood cabinets,</a:t>
             </a:r>
           </a:p>
           <a:p>
             <a:r>
               <a:rPr sz="3200"/>
-              <a:t>wearing glasses walking through a door.</a:t>
+              <a:t>a dishwasher, sink, and</a:t>
+            </a:r>
+          </a:p>
+          <a:p>
+            <a:r>
+              <a:rPr sz="3200"/>
+              <a:t>refrigerator.</a:t>
             </a:r>
           </a:p>
         </p:txBody>
@@ -4425,8 +4467,8 @@
         </p:blipFill>
         <p:spPr>
           <a:xfrm>
-            <a:off x="7161123" y="365760"/>
-            <a:ext cx="4662069" cy="6126480"/>
+            <a:off x="228600" y="219075"/>
+            <a:ext cx="7067550" cy="6400800"/>
           </a:xfrm>
           <a:prstGeom prst="rect">
             <a:avLst/>
@@ -4441,8 +4483,8 @@
         </p:nvSpPr>
         <p:spPr>
           <a:xfrm>
-            <a:off x="365760" y="365760"/>
-            <a:ext cx="6703923" cy="6126480"/>
+            <a:off x="7543800" y="219075"/>
+            <a:ext cx="4419600" cy="6400800"/>
           </a:xfrm>
           <a:prstGeom prst="rect">
             <a:avLst/>
@@ -4458,13 +4500,19 @@
             <a:pPr algn="l"/>
             <a:r>
               <a:rPr sz="3200"/>
-              <a:t>The huge clock on the wall is near a wooden</a:t>
+              <a:t>Adults using laptop</a:t>
             </a:r>
           </a:p>
           <a:p>
             <a:r>
               <a:rPr sz="3200"/>
-              <a:t>table.</a:t>
+              <a:t>computers while sitting at</a:t>
+            </a:r>
+          </a:p>
+          <a:p>
+            <a:r>
+              <a:rPr sz="3200"/>
+              <a:t>outdoor venue.</a:t>
             </a:r>
           </a:p>
         </p:txBody>
@@ -4503,8 +4551,8 @@
         </p:blipFill>
         <p:spPr>
           <a:xfrm>
-            <a:off x="7161123" y="365760"/>
-            <a:ext cx="4662069" cy="6126480"/>
+            <a:off x="228600" y="219075"/>
+            <a:ext cx="7067550" cy="6400800"/>
           </a:xfrm>
           <a:prstGeom prst="rect">
             <a:avLst/>
@@ -4519,8 +4567,8 @@
         </p:nvSpPr>
         <p:spPr>
           <a:xfrm>
-            <a:off x="365760" y="365760"/>
-            <a:ext cx="6703923" cy="6126480"/>
+            <a:off x="7543800" y="219075"/>
+            <a:ext cx="4419600" cy="6400800"/>
           </a:xfrm>
           <a:prstGeom prst="rect">
             <a:avLst/>
@@ -4536,7 +4584,13 @@
             <a:pPr algn="l"/>
             <a:r>
               <a:rPr sz="3200"/>
-              <a:t>A large bus and some people on the street.</a:t>
+              <a:t>Chefs are preparing food at a</a:t>
+            </a:r>
+          </a:p>
+          <a:p>
+            <a:r>
+              <a:rPr sz="3200"/>
+              <a:t>restaurant as patrons exit.</a:t>
             </a:r>
           </a:p>
         </p:txBody>
@@ -4575,8 +4629,8 @@
         </p:blipFill>
         <p:spPr>
           <a:xfrm>
-            <a:off x="7161123" y="365760"/>
-            <a:ext cx="4662069" cy="6126480"/>
+            <a:off x="228600" y="219075"/>
+            <a:ext cx="7067550" cy="6400800"/>
           </a:xfrm>
           <a:prstGeom prst="rect">
             <a:avLst/>
@@ -4591,8 +4645,8 @@
         </p:nvSpPr>
         <p:spPr>
           <a:xfrm>
-            <a:off x="365760" y="365760"/>
-            <a:ext cx="6703923" cy="6126480"/>
+            <a:off x="7543800" y="219075"/>
+            <a:ext cx="4419600" cy="6400800"/>
           </a:xfrm>
           <a:prstGeom prst="rect">
             <a:avLst/>
@@ -4608,13 +4662,13 @@
             <a:pPr algn="l"/>
             <a:r>
               <a:rPr sz="3200"/>
-              <a:t>A bicycle parked in a kitchen with a stove and</a:t>
+              <a:t>The huge clock on the wall is</a:t>
             </a:r>
           </a:p>
           <a:p>
             <a:r>
               <a:rPr sz="3200"/>
-              <a:t>cabinets.</a:t>
+              <a:t>near a wooden table.</a:t>
             </a:r>
           </a:p>
         </p:txBody>
